--- a/GroupProject.pptx
+++ b/GroupProject.pptx
@@ -15768,7 +15768,7 @@
         </p:spPr>
         <p:txBody>
           <a:bodyPr>
-            <a:normAutofit lnSpcReduction="10000"/>
+            <a:normAutofit fontScale="92500" lnSpcReduction="10000"/>
           </a:bodyPr>
           <a:lstStyle/>
           <a:p>
@@ -15864,6 +15864,21 @@
             <a:r>
               <a:rPr lang="en-US" dirty="0"/>
               <a:t>4. Data Volume – 5962813 (~ 6M) rows</a:t>
+            </a:r>
+          </a:p>
+          <a:p>
+            <a:pPr algn="l"/>
+            <a:r>
+              <a:rPr lang="en-US" dirty="0"/>
+              <a:t>5. Data Cleanup – Cleaned up </a:t>
+            </a:r>
+            <a:r>
+              <a:rPr lang="en-US" dirty="0" err="1"/>
+              <a:t>NaN</a:t>
+            </a:r>
+            <a:r>
+              <a:rPr lang="en-US" dirty="0"/>
+              <a:t> values with “0” .</a:t>
             </a:r>
           </a:p>
           <a:p>

--- a/GroupProject.pptx
+++ b/GroupProject.pptx
@@ -5,7 +5,7 @@
     <p:sldMasterId id="2147483678" r:id="rId1"/>
   </p:sldMasterIdLst>
   <p:notesMasterIdLst>
-    <p:notesMasterId r:id="rId27"/>
+    <p:notesMasterId r:id="rId28"/>
   </p:notesMasterIdLst>
   <p:sldIdLst>
     <p:sldId id="272" r:id="rId2"/>
@@ -29,10 +29,11 @@
     <p:sldId id="285" r:id="rId20"/>
     <p:sldId id="270" r:id="rId21"/>
     <p:sldId id="278" r:id="rId22"/>
-    <p:sldId id="280" r:id="rId23"/>
-    <p:sldId id="281" r:id="rId24"/>
-    <p:sldId id="282" r:id="rId25"/>
-    <p:sldId id="283" r:id="rId26"/>
+    <p:sldId id="286" r:id="rId23"/>
+    <p:sldId id="280" r:id="rId24"/>
+    <p:sldId id="281" r:id="rId25"/>
+    <p:sldId id="282" r:id="rId26"/>
+    <p:sldId id="283" r:id="rId27"/>
   </p:sldIdLst>
   <p:sldSz cx="12192000" cy="6858000"/>
   <p:notesSz cx="6858000" cy="9144000"/>
@@ -15109,10 +15110,73 @@
       </p:grpSpPr>
       <p:sp>
         <p:nvSpPr>
+          <p:cNvPr id="14" name="Rectangle 9">
+            <a:extLst>
+              <a:ext uri="{FF2B5EF4-FFF2-40B4-BE49-F238E27FC236}">
+                <a16:creationId xmlns:a16="http://schemas.microsoft.com/office/drawing/2014/main" id="{A4AC5506-6312-4701-8D3C-40187889A947}"/>
+              </a:ext>
+              <a:ext uri="{C183D7F6-B498-43B3-948B-1728B52AA6E4}">
+                <adec:decorative xmlns:adec="http://schemas.microsoft.com/office/drawing/2017/decorative" val="1"/>
+              </a:ext>
+            </a:extLst>
+          </p:cNvPr>
+          <p:cNvSpPr>
+            <a:spLocks noGrp="1" noRot="1" noChangeAspect="1" noMove="1" noResize="1" noEditPoints="1" noAdjustHandles="1" noChangeArrowheads="1" noChangeShapeType="1" noTextEdit="1"/>
+          </p:cNvSpPr>
+          <p:nvPr>
+            <p:extLst>
+              <p:ext uri="{386F3935-93C4-4BCD-93E2-E3B085C9AB24}">
+                <p16:designElem xmlns:p16="http://schemas.microsoft.com/office/powerpoint/2015/main" val="1"/>
+              </p:ext>
+            </p:extLst>
+          </p:nvPr>
+        </p:nvSpPr>
+        <p:spPr>
+          <a:xfrm>
+            <a:off x="0" y="651752"/>
+            <a:ext cx="12192000" cy="736551"/>
+          </a:xfrm>
+          <a:prstGeom prst="rect">
+            <a:avLst/>
+          </a:prstGeom>
+          <a:solidFill>
+            <a:schemeClr val="tx1"/>
+          </a:solidFill>
+          <a:ln>
+            <a:noFill/>
+          </a:ln>
+        </p:spPr>
+        <p:style>
+          <a:lnRef idx="2">
+            <a:schemeClr val="accent1">
+              <a:shade val="50000"/>
+            </a:schemeClr>
+          </a:lnRef>
+          <a:fillRef idx="1">
+            <a:schemeClr val="accent1"/>
+          </a:fillRef>
+          <a:effectRef idx="0">
+            <a:schemeClr val="accent1"/>
+          </a:effectRef>
+          <a:fontRef idx="minor">
+            <a:schemeClr val="lt1"/>
+          </a:fontRef>
+        </p:style>
+        <p:txBody>
+          <a:bodyPr rtlCol="0" anchor="ctr"/>
+          <a:lstStyle/>
+          <a:p>
+            <a:pPr algn="ctr"/>
+            <a:endParaRPr lang="en-US"/>
+          </a:p>
+        </p:txBody>
+      </p:sp>
+      <p:sp>
+        <p:nvSpPr>
           <p:cNvPr id="2" name="Title 1">
             <a:extLst>
               <a:ext uri="{FF2B5EF4-FFF2-40B4-BE49-F238E27FC236}">
-                <a16:creationId xmlns:a16="http://schemas.microsoft.com/office/drawing/2014/main" id="{2D0ED42D-F9C9-CA44-B59F-73FA6E1808F7}"/>
+                <a16:creationId xmlns:a16="http://schemas.microsoft.com/office/drawing/2014/main" id="{CE38ED52-C3B8-4128-A7BE-90519C5F2A32}"/>
               </a:ext>
             </a:extLst>
           </p:cNvPr>
@@ -15125,91 +15189,37 @@
         </p:nvSpPr>
         <p:spPr>
           <a:xfrm>
-            <a:off x="1913468" y="355186"/>
-            <a:ext cx="9440332" cy="1325563"/>
+            <a:off x="556532" y="643467"/>
+            <a:ext cx="11210925" cy="744836"/>
           </a:xfrm>
         </p:spPr>
         <p:txBody>
-          <a:bodyPr>
+          <a:bodyPr vert="horz" lIns="91440" tIns="45720" rIns="91440" bIns="45720" rtlCol="0" anchor="ctr">
             <a:normAutofit/>
           </a:bodyPr>
           <a:lstStyle/>
           <a:p>
+            <a:pPr algn="ctr"/>
             <a:r>
-              <a:rPr lang="en-US" dirty="0"/>
-              <a:t>Data Limitations</a:t>
-            </a:r>
-          </a:p>
-        </p:txBody>
-      </p:sp>
-      <p:sp>
-        <p:nvSpPr>
-          <p:cNvPr id="3" name="Content Placeholder 2">
-            <a:extLst>
-              <a:ext uri="{FF2B5EF4-FFF2-40B4-BE49-F238E27FC236}">
-                <a16:creationId xmlns:a16="http://schemas.microsoft.com/office/drawing/2014/main" id="{C2ADD2FC-BE32-B14B-8D82-C73CDC046D03}"/>
-              </a:ext>
-            </a:extLst>
-          </p:cNvPr>
-          <p:cNvSpPr>
-            <a:spLocks noGrp="1"/>
-          </p:cNvSpPr>
-          <p:nvPr>
-            <p:ph idx="1"/>
-          </p:nvPr>
-        </p:nvSpPr>
-        <p:spPr/>
-        <p:txBody>
-          <a:bodyPr>
-            <a:normAutofit/>
-          </a:bodyPr>
-          <a:lstStyle/>
-          <a:p>
-            <a:pPr lvl="1"/>
-            <a:r>
-              <a:rPr lang="en-US" dirty="0"/>
-              <a:t>We abstracted quarterly data by analyzing one month of data. </a:t>
-            </a:r>
-          </a:p>
-          <a:p>
-            <a:pPr lvl="1"/>
-            <a:r>
-              <a:rPr lang="en-US" dirty="0"/>
-              <a:t>No reasons are given about cancellation and diversion of flights.</a:t>
-            </a:r>
-          </a:p>
-          <a:p>
-            <a:pPr lvl="1"/>
-            <a:r>
-              <a:rPr lang="en-US" dirty="0"/>
-              <a:t>Provided data columns need to be abstracted, for example giving four attributes to describe date and time is excessive, for example they provided, year, month, day of month, day of weeks. It would have been better of using just one column, for example </a:t>
-            </a:r>
-            <a:r>
-              <a:rPr lang="en-US" dirty="0">
-                <a:hlinkClick r:id="rId2"/>
+              <a:rPr lang="en-US" sz="3200" kern="1200" dirty="0">
+                <a:solidFill>
+                  <a:schemeClr val="bg1"/>
+                </a:solidFill>
+                <a:latin typeface="+mj-lt"/>
+                <a:ea typeface="+mj-ea"/>
+                <a:cs typeface="+mj-cs"/>
               </a:rPr>
-              <a:t>unix time</a:t>
-            </a:r>
-            <a:r>
-              <a:rPr lang="en-US" dirty="0"/>
-              <a:t>.</a:t>
-            </a:r>
-          </a:p>
-          <a:p>
-            <a:pPr lvl="1"/>
-            <a:r>
-              <a:rPr lang="en-US" dirty="0"/>
-              <a:t>The sheer amount of data forced us to select columns which we considered most important for our analysis.</a:t>
+              <a:t>Box Plot – Carriers Vs Departure Delays</a:t>
             </a:r>
           </a:p>
         </p:txBody>
       </p:sp>
       <p:pic>
         <p:nvPicPr>
-          <p:cNvPr id="9" name="Graphic 6" descr="Stopwatch">
+          <p:cNvPr id="5" name="Picture 4">
             <a:extLst>
               <a:ext uri="{FF2B5EF4-FFF2-40B4-BE49-F238E27FC236}">
-                <a16:creationId xmlns:a16="http://schemas.microsoft.com/office/drawing/2014/main" id="{B579455E-A5FF-45D9-A446-CD87990C48F3}"/>
+                <a16:creationId xmlns:a16="http://schemas.microsoft.com/office/drawing/2014/main" id="{6071D7C1-7D3D-496F-B988-22DC070F3739}"/>
               </a:ext>
             </a:extLst>
           </p:cNvPr>
@@ -15219,24 +15229,15 @@
           <p:nvPr/>
         </p:nvPicPr>
         <p:blipFill>
-          <a:blip r:embed="rId3">
-            <a:extLst>
-              <a:ext uri="{28A0092B-C50C-407E-A947-70E740481C1C}">
-                <a14:useLocalDpi xmlns:a14="http://schemas.microsoft.com/office/drawing/2010/main" val="0"/>
-              </a:ext>
-              <a:ext uri="{96DAC541-7B7A-43D3-8B79-37D633B846F1}">
-                <asvg:svgBlip xmlns:asvg="http://schemas.microsoft.com/office/drawing/2016/SVG/main" r:embed="rId4"/>
-              </a:ext>
-            </a:extLst>
-          </a:blip>
+          <a:blip r:embed="rId2"/>
           <a:stretch>
             <a:fillRect/>
           </a:stretch>
         </p:blipFill>
         <p:spPr>
           <a:xfrm>
-            <a:off x="838200" y="570706"/>
-            <a:ext cx="914400" cy="914400"/>
+            <a:off x="117613" y="1417668"/>
+            <a:ext cx="11956774" cy="5440332"/>
           </a:xfrm>
           <a:prstGeom prst="rect">
             <a:avLst/>
@@ -15246,7 +15247,7 @@
     </p:spTree>
     <p:extLst>
       <p:ext uri="{BB962C8B-B14F-4D97-AF65-F5344CB8AC3E}">
-        <p14:creationId xmlns:p14="http://schemas.microsoft.com/office/powerpoint/2010/main" val="2777684048"/>
+        <p14:creationId xmlns:p14="http://schemas.microsoft.com/office/powerpoint/2010/main" val="910979699"/>
       </p:ext>
     </p:extLst>
   </p:cSld>
@@ -15286,7 +15287,7 @@
           <p:cNvPr id="2" name="Title 1">
             <a:extLst>
               <a:ext uri="{FF2B5EF4-FFF2-40B4-BE49-F238E27FC236}">
-                <a16:creationId xmlns:a16="http://schemas.microsoft.com/office/drawing/2014/main" id="{8F18D8EC-1BA2-634C-874B-AF1D285552DC}"/>
+                <a16:creationId xmlns:a16="http://schemas.microsoft.com/office/drawing/2014/main" id="{2D0ED42D-F9C9-CA44-B59F-73FA6E1808F7}"/>
               </a:ext>
             </a:extLst>
           </p:cNvPr>
@@ -15299,8 +15300,8 @@
         </p:nvSpPr>
         <p:spPr>
           <a:xfrm>
-            <a:off x="838200" y="355187"/>
-            <a:ext cx="10515600" cy="738118"/>
+            <a:off x="1913468" y="355186"/>
+            <a:ext cx="9440332" cy="1325563"/>
           </a:xfrm>
         </p:spPr>
         <p:txBody>
@@ -15311,46 +15312,116 @@
           <a:p>
             <a:r>
               <a:rPr lang="en-US" dirty="0"/>
-              <a:t>Conclusions:</a:t>
+              <a:t>Data Limitations</a:t>
             </a:r>
           </a:p>
         </p:txBody>
       </p:sp>
-      <p:graphicFrame>
-        <p:nvGraphicFramePr>
-          <p:cNvPr id="5" name="Content Placeholder 2">
+      <p:sp>
+        <p:nvSpPr>
+          <p:cNvPr id="3" name="Content Placeholder 2">
             <a:extLst>
               <a:ext uri="{FF2B5EF4-FFF2-40B4-BE49-F238E27FC236}">
-                <a16:creationId xmlns:a16="http://schemas.microsoft.com/office/drawing/2014/main" id="{9F712B11-8749-4615-A9FF-B2629B5A0102}"/>
+                <a16:creationId xmlns:a16="http://schemas.microsoft.com/office/drawing/2014/main" id="{C2ADD2FC-BE32-B14B-8D82-C73CDC046D03}"/>
               </a:ext>
             </a:extLst>
           </p:cNvPr>
-          <p:cNvGraphicFramePr>
-            <a:graphicFrameLocks noGrp="1"/>
-          </p:cNvGraphicFramePr>
+          <p:cNvSpPr>
+            <a:spLocks noGrp="1"/>
+          </p:cNvSpPr>
           <p:nvPr>
             <p:ph idx="1"/>
-            <p:extLst>
-              <p:ext uri="{D42A27DB-BD31-4B8C-83A1-F6EECF244321}">
-                <p14:modId xmlns:p14="http://schemas.microsoft.com/office/powerpoint/2010/main" val="3408461466"/>
-              </p:ext>
-            </p:extLst>
           </p:nvPr>
-        </p:nvGraphicFramePr>
-        <p:xfrm>
-          <a:off x="838200" y="1371600"/>
-          <a:ext cx="10515600" cy="5131213"/>
-        </p:xfrm>
-        <a:graphic>
-          <a:graphicData uri="http://schemas.openxmlformats.org/drawingml/2006/diagram">
-            <dgm:relIds xmlns:dgm="http://schemas.openxmlformats.org/drawingml/2006/diagram" xmlns:r="http://schemas.openxmlformats.org/officeDocument/2006/relationships" r:dm="rId2" r:lo="rId3" r:qs="rId4" r:cs="rId5"/>
-          </a:graphicData>
-        </a:graphic>
-      </p:graphicFrame>
+        </p:nvSpPr>
+        <p:spPr/>
+        <p:txBody>
+          <a:bodyPr>
+            <a:normAutofit/>
+          </a:bodyPr>
+          <a:lstStyle/>
+          <a:p>
+            <a:pPr lvl="1"/>
+            <a:r>
+              <a:rPr lang="en-US" dirty="0"/>
+              <a:t>We abstracted quarterly data by analyzing one month of data. </a:t>
+            </a:r>
+          </a:p>
+          <a:p>
+            <a:pPr lvl="1"/>
+            <a:r>
+              <a:rPr lang="en-US" dirty="0"/>
+              <a:t>No reasons are given about cancellation and diversion of flights.</a:t>
+            </a:r>
+          </a:p>
+          <a:p>
+            <a:pPr lvl="1"/>
+            <a:r>
+              <a:rPr lang="en-US" dirty="0"/>
+              <a:t>Provided data columns need to be abstracted, for example giving four attributes to describe date and time is excessive, for example they provided, year, month, day of month, day of weeks. It would have been better of using just one column, for example </a:t>
+            </a:r>
+            <a:r>
+              <a:rPr lang="en-US" dirty="0">
+                <a:hlinkClick r:id="rId2"/>
+              </a:rPr>
+              <a:t>unix time</a:t>
+            </a:r>
+            <a:r>
+              <a:rPr lang="en-US" dirty="0"/>
+              <a:t>.</a:t>
+            </a:r>
+          </a:p>
+          <a:p>
+            <a:pPr lvl="1"/>
+            <a:r>
+              <a:rPr lang="en-US" dirty="0"/>
+              <a:t>The sheer amount of data forced us to select columns which we considered most important for our analysis.</a:t>
+            </a:r>
+          </a:p>
+        </p:txBody>
+      </p:sp>
+      <p:pic>
+        <p:nvPicPr>
+          <p:cNvPr id="9" name="Graphic 6" descr="Stopwatch">
+            <a:extLst>
+              <a:ext uri="{FF2B5EF4-FFF2-40B4-BE49-F238E27FC236}">
+                <a16:creationId xmlns:a16="http://schemas.microsoft.com/office/drawing/2014/main" id="{B579455E-A5FF-45D9-A446-CD87990C48F3}"/>
+              </a:ext>
+            </a:extLst>
+          </p:cNvPr>
+          <p:cNvPicPr>
+            <a:picLocks noChangeAspect="1"/>
+          </p:cNvPicPr>
+          <p:nvPr/>
+        </p:nvPicPr>
+        <p:blipFill>
+          <a:blip r:embed="rId3">
+            <a:extLst>
+              <a:ext uri="{28A0092B-C50C-407E-A947-70E740481C1C}">
+                <a14:useLocalDpi xmlns:a14="http://schemas.microsoft.com/office/drawing/2010/main" val="0"/>
+              </a:ext>
+              <a:ext uri="{96DAC541-7B7A-43D3-8B79-37D633B846F1}">
+                <asvg:svgBlip xmlns:asvg="http://schemas.microsoft.com/office/drawing/2016/SVG/main" r:embed="rId4"/>
+              </a:ext>
+            </a:extLst>
+          </a:blip>
+          <a:stretch>
+            <a:fillRect/>
+          </a:stretch>
+        </p:blipFill>
+        <p:spPr>
+          <a:xfrm>
+            <a:off x="838200" y="570706"/>
+            <a:ext cx="914400" cy="914400"/>
+          </a:xfrm>
+          <a:prstGeom prst="rect">
+            <a:avLst/>
+          </a:prstGeom>
+        </p:spPr>
+      </p:pic>
     </p:spTree>
     <p:extLst>
       <p:ext uri="{BB962C8B-B14F-4D97-AF65-F5344CB8AC3E}">
-        <p14:creationId xmlns:p14="http://schemas.microsoft.com/office/powerpoint/2010/main" val="2446236253"/>
+        <p14:creationId xmlns:p14="http://schemas.microsoft.com/office/powerpoint/2010/main" val="2777684048"/>
       </p:ext>
     </p:extLst>
   </p:cSld>
@@ -15390,6 +15461,110 @@
           <p:cNvPr id="2" name="Title 1">
             <a:extLst>
               <a:ext uri="{FF2B5EF4-FFF2-40B4-BE49-F238E27FC236}">
+                <a16:creationId xmlns:a16="http://schemas.microsoft.com/office/drawing/2014/main" id="{8F18D8EC-1BA2-634C-874B-AF1D285552DC}"/>
+              </a:ext>
+            </a:extLst>
+          </p:cNvPr>
+          <p:cNvSpPr>
+            <a:spLocks noGrp="1"/>
+          </p:cNvSpPr>
+          <p:nvPr>
+            <p:ph type="title"/>
+          </p:nvPr>
+        </p:nvSpPr>
+        <p:spPr>
+          <a:xfrm>
+            <a:off x="838200" y="355187"/>
+            <a:ext cx="10515600" cy="738118"/>
+          </a:xfrm>
+        </p:spPr>
+        <p:txBody>
+          <a:bodyPr>
+            <a:normAutofit/>
+          </a:bodyPr>
+          <a:lstStyle/>
+          <a:p>
+            <a:r>
+              <a:rPr lang="en-US" dirty="0"/>
+              <a:t>Conclusions:</a:t>
+            </a:r>
+          </a:p>
+        </p:txBody>
+      </p:sp>
+      <p:graphicFrame>
+        <p:nvGraphicFramePr>
+          <p:cNvPr id="5" name="Content Placeholder 2">
+            <a:extLst>
+              <a:ext uri="{FF2B5EF4-FFF2-40B4-BE49-F238E27FC236}">
+                <a16:creationId xmlns:a16="http://schemas.microsoft.com/office/drawing/2014/main" id="{9F712B11-8749-4615-A9FF-B2629B5A0102}"/>
+              </a:ext>
+            </a:extLst>
+          </p:cNvPr>
+          <p:cNvGraphicFramePr>
+            <a:graphicFrameLocks noGrp="1"/>
+          </p:cNvGraphicFramePr>
+          <p:nvPr>
+            <p:ph idx="1"/>
+            <p:extLst>
+              <p:ext uri="{D42A27DB-BD31-4B8C-83A1-F6EECF244321}">
+                <p14:modId xmlns:p14="http://schemas.microsoft.com/office/powerpoint/2010/main" val="3408461466"/>
+              </p:ext>
+            </p:extLst>
+          </p:nvPr>
+        </p:nvGraphicFramePr>
+        <p:xfrm>
+          <a:off x="838200" y="1371600"/>
+          <a:ext cx="10515600" cy="5131213"/>
+        </p:xfrm>
+        <a:graphic>
+          <a:graphicData uri="http://schemas.openxmlformats.org/drawingml/2006/diagram">
+            <dgm:relIds xmlns:dgm="http://schemas.openxmlformats.org/drawingml/2006/diagram" xmlns:r="http://schemas.openxmlformats.org/officeDocument/2006/relationships" r:dm="rId2" r:lo="rId3" r:qs="rId4" r:cs="rId5"/>
+          </a:graphicData>
+        </a:graphic>
+      </p:graphicFrame>
+    </p:spTree>
+    <p:extLst>
+      <p:ext uri="{BB962C8B-B14F-4D97-AF65-F5344CB8AC3E}">
+        <p14:creationId xmlns:p14="http://schemas.microsoft.com/office/powerpoint/2010/main" val="2446236253"/>
+      </p:ext>
+    </p:extLst>
+  </p:cSld>
+  <p:clrMapOvr>
+    <a:masterClrMapping/>
+  </p:clrMapOvr>
+</p:sld>
+</file>
+
+<file path=ppt/slides/slide25.xml><?xml version="1.0" encoding="utf-8"?>
+<p:sld xmlns:a="http://schemas.openxmlformats.org/drawingml/2006/main" xmlns:r="http://schemas.openxmlformats.org/officeDocument/2006/relationships" xmlns:p="http://schemas.openxmlformats.org/presentationml/2006/main">
+  <p:cSld>
+    <p:bg>
+      <p:bgPr>
+        <a:solidFill>
+          <a:schemeClr val="bg1"/>
+        </a:solidFill>
+        <a:effectLst/>
+      </p:bgPr>
+    </p:bg>
+    <p:spTree>
+      <p:nvGrpSpPr>
+        <p:cNvPr id="1" name=""/>
+        <p:cNvGrpSpPr/>
+        <p:nvPr/>
+      </p:nvGrpSpPr>
+      <p:grpSpPr>
+        <a:xfrm>
+          <a:off x="0" y="0"/>
+          <a:ext cx="0" cy="0"/>
+          <a:chOff x="0" y="0"/>
+          <a:chExt cx="0" cy="0"/>
+        </a:xfrm>
+      </p:grpSpPr>
+      <p:sp>
+        <p:nvSpPr>
+          <p:cNvPr id="2" name="Title 1">
+            <a:extLst>
+              <a:ext uri="{FF2B5EF4-FFF2-40B4-BE49-F238E27FC236}">
                 <a16:creationId xmlns:a16="http://schemas.microsoft.com/office/drawing/2014/main" id="{69ACBDF3-E53D-FB47-B8DE-DAC23B87A71D}"/>
               </a:ext>
             </a:extLst>
@@ -15464,7 +15639,7 @@
 </p:sld>
 </file>
 
-<file path=ppt/slides/slide25.xml><?xml version="1.0" encoding="utf-8"?>
+<file path=ppt/slides/slide26.xml><?xml version="1.0" encoding="utf-8"?>
 <p:sld xmlns:a="http://schemas.openxmlformats.org/drawingml/2006/main" xmlns:r="http://schemas.openxmlformats.org/officeDocument/2006/relationships" xmlns:p="http://schemas.openxmlformats.org/presentationml/2006/main">
   <p:cSld>
     <p:bg>
